--- a/figure1.pptx
+++ b/figure1.pptx
@@ -3682,7 +3682,7 @@
         </p:nvSpPr>
         <p:spPr>
           <a:xfrm>
-            <a:off x="4513872" y="1662828"/>
+            <a:off x="4832248" y="1430287"/>
             <a:ext cx="516488" cy="276999"/>
           </a:xfrm>
           <a:prstGeom prst="rect">
@@ -3717,7 +3717,7 @@
         </p:nvSpPr>
         <p:spPr>
           <a:xfrm>
-            <a:off x="7400765" y="2074763"/>
+            <a:off x="7087812" y="1891024"/>
             <a:ext cx="516488" cy="276999"/>
           </a:xfrm>
           <a:prstGeom prst="rect">
@@ -5617,8 +5617,8 @@
         </p:nvSpPr>
         <p:spPr>
           <a:xfrm>
-            <a:off x="5837756" y="6507248"/>
-            <a:ext cx="437940" cy="276999"/>
+            <a:off x="5728108" y="6498486"/>
+            <a:ext cx="766557" cy="276999"/>
           </a:xfrm>
           <a:prstGeom prst="rect">
             <a:avLst/>
@@ -5633,7 +5633,7 @@
           <a:p>
             <a:r>
               <a:rPr lang="en-US" sz="1200" dirty="0"/>
-              <a:t>TRD</a:t>
+              <a:t>Mon TRD</a:t>
             </a:r>
           </a:p>
         </p:txBody>
